--- a/docs/Mysql 5.7主从搭建及读写分离应用示例.pptx
+++ b/docs/Mysql 5.7主从搭建及读写分离应用示例.pptx
@@ -5089,6 +5089,13 @@
   <p:clrMapOvr>
     <a:masterClrMapping/>
   </p:clrMapOvr>
+  <p:timing>
+    <p:tnLst>
+      <p:par>
+        <p:cTn id="1" dur="indefinite" restart="never" nodeType="tmRoot"/>
+      </p:par>
+    </p:tnLst>
+  </p:timing>
 </p:sld>
 </file>
 
@@ -5787,7 +5794,9 @@
         </p:nvSpPr>
         <p:spPr/>
         <p:txBody>
-          <a:bodyPr/>
+          <a:bodyPr>
+            <a:normAutofit fontScale="40000" lnSpcReduction="20000"/>
+          </a:bodyPr>
           <a:lstStyle/>
           <a:p>
             <a:pPr marL="0" indent="0">
@@ -5799,7 +5808,11 @@
             </a:r>
             <a:r>
               <a:rPr lang="zh-CN" altLang="en-US" dirty="0" smtClean="0"/>
-              <a:t>配置文件：</a:t>
+              <a:t>配置文件</a:t>
+            </a:r>
+            <a:r>
+              <a:rPr lang="zh-CN" altLang="en-US" dirty="0" smtClean="0"/>
+              <a:t>：</a:t>
             </a:r>
             <a:endParaRPr lang="en-US" altLang="zh-CN" dirty="0" smtClean="0"/>
           </a:p>
@@ -5809,6 +5822,44 @@
             </a:pPr>
             <a:r>
               <a:rPr lang="en-US" altLang="zh-CN" dirty="0" smtClean="0"/>
+              <a:t>5.7.x</a:t>
+            </a:r>
+            <a:r>
+              <a:rPr lang="zh-CN" altLang="en-US" dirty="0" smtClean="0"/>
+              <a:t>后面没有</a:t>
+            </a:r>
+            <a:r>
+              <a:rPr lang="en-US" altLang="zh-CN" dirty="0" smtClean="0"/>
+              <a:t>my-</a:t>
+            </a:r>
+            <a:r>
+              <a:rPr lang="en-US" altLang="zh-CN" dirty="0" err="1" smtClean="0"/>
+              <a:t>default.cnf</a:t>
+            </a:r>
+            <a:r>
+              <a:rPr lang="en-US" altLang="zh-CN" dirty="0" smtClean="0"/>
+              <a:t> </a:t>
+            </a:r>
+            <a:r>
+              <a:rPr lang="zh-CN" altLang="en-US" dirty="0" smtClean="0"/>
+              <a:t>文件</a:t>
+            </a:r>
+            <a:r>
+              <a:rPr lang="en-US" altLang="zh-CN" dirty="0" smtClean="0"/>
+              <a:t>  </a:t>
+            </a:r>
+            <a:r>
+              <a:rPr lang="zh-CN" altLang="en-US" dirty="0" smtClean="0"/>
+              <a:t>可以直接创建一个</a:t>
+            </a:r>
+            <a:endParaRPr lang="en-US" altLang="zh-CN" dirty="0" smtClean="0"/>
+          </a:p>
+          <a:p>
+            <a:pPr marL="0" indent="0">
+              <a:buNone/>
+            </a:pPr>
+            <a:r>
+              <a:rPr lang="en-US" altLang="zh-CN" dirty="0" smtClean="0"/>
               <a:t>vi /</a:t>
             </a:r>
             <a:r>
@@ -5830,15 +5881,154 @@
               <a:buNone/>
             </a:pPr>
             <a:r>
-              <a:rPr lang="en-US" altLang="zh-CN" dirty="0" smtClean="0"/>
+              <a:rPr lang="en-US" altLang="zh-CN" dirty="0"/>
+              <a:t>port=3306</a:t>
+            </a:r>
+          </a:p>
+          <a:p>
+            <a:pPr marL="0" indent="0">
+              <a:buNone/>
+            </a:pPr>
+            <a:r>
+              <a:rPr lang="en-US" altLang="zh-CN" dirty="0" err="1"/>
+              <a:t>basedir</a:t>
+            </a:r>
+            <a:r>
+              <a:rPr lang="en-US" altLang="zh-CN" dirty="0"/>
+              <a:t>=/</a:t>
+            </a:r>
+            <a:r>
+              <a:rPr lang="en-US" altLang="zh-CN" dirty="0" err="1"/>
+              <a:t>usr</a:t>
+            </a:r>
+            <a:r>
+              <a:rPr lang="en-US" altLang="zh-CN" dirty="0"/>
+              <a:t>/local/</a:t>
+            </a:r>
+            <a:r>
+              <a:rPr lang="en-US" altLang="zh-CN" dirty="0" err="1"/>
+              <a:t>mysql</a:t>
+            </a:r>
+            <a:endParaRPr lang="en-US" altLang="zh-CN" dirty="0"/>
+          </a:p>
+          <a:p>
+            <a:pPr marL="0" indent="0">
+              <a:buNone/>
+            </a:pPr>
+            <a:r>
+              <a:rPr lang="en-US" altLang="zh-CN" dirty="0" err="1"/>
+              <a:t>datadir</a:t>
+            </a:r>
+            <a:r>
+              <a:rPr lang="en-US" altLang="zh-CN" dirty="0"/>
+              <a:t>=/</a:t>
+            </a:r>
+            <a:r>
+              <a:rPr lang="en-US" altLang="zh-CN" dirty="0" err="1"/>
+              <a:t>var</a:t>
+            </a:r>
+            <a:r>
+              <a:rPr lang="en-US" altLang="zh-CN" dirty="0"/>
+              <a:t>/lib/</a:t>
+            </a:r>
+            <a:r>
+              <a:rPr lang="en-US" altLang="zh-CN" dirty="0" err="1"/>
+              <a:t>mysql</a:t>
+            </a:r>
+            <a:endParaRPr lang="en-US" altLang="zh-CN" dirty="0"/>
+          </a:p>
+          <a:p>
+            <a:pPr marL="0" indent="0">
+              <a:buNone/>
+            </a:pPr>
+            <a:r>
+              <a:rPr lang="en-US" altLang="zh-CN" dirty="0"/>
+              <a:t>socket=/</a:t>
+            </a:r>
+            <a:r>
+              <a:rPr lang="en-US" altLang="zh-CN" dirty="0" err="1"/>
+              <a:t>var</a:t>
+            </a:r>
+            <a:r>
+              <a:rPr lang="en-US" altLang="zh-CN" dirty="0"/>
+              <a:t>/lib/</a:t>
+            </a:r>
+            <a:r>
+              <a:rPr lang="en-US" altLang="zh-CN" dirty="0" err="1"/>
+              <a:t>mysql</a:t>
+            </a:r>
+            <a:r>
+              <a:rPr lang="en-US" altLang="zh-CN" dirty="0"/>
+              <a:t>/</a:t>
+            </a:r>
+            <a:r>
+              <a:rPr lang="en-US" altLang="zh-CN" dirty="0" err="1"/>
+              <a:t>mysql.sock</a:t>
+            </a:r>
+            <a:endParaRPr lang="en-US" altLang="zh-CN" dirty="0"/>
+          </a:p>
+          <a:p>
+            <a:pPr marL="0" indent="0">
+              <a:buNone/>
+            </a:pPr>
+            <a:r>
+              <a:rPr lang="en-US" altLang="zh-CN" dirty="0"/>
+              <a:t>log-bin=</a:t>
+            </a:r>
+            <a:r>
+              <a:rPr lang="en-US" altLang="zh-CN" dirty="0" err="1"/>
+              <a:t>mysql</a:t>
+            </a:r>
+            <a:r>
+              <a:rPr lang="en-US" altLang="zh-CN" dirty="0"/>
+              <a:t>-bin</a:t>
+            </a:r>
+          </a:p>
+          <a:p>
+            <a:pPr marL="0" indent="0">
+              <a:buNone/>
+            </a:pPr>
+            <a:r>
+              <a:rPr lang="en-US" altLang="zh-CN" dirty="0"/>
+              <a:t>server-id=200</a:t>
+            </a:r>
+          </a:p>
+          <a:p>
+            <a:pPr marL="0" indent="0">
+              <a:buNone/>
+            </a:pPr>
+            <a:r>
+              <a:rPr lang="en-US" altLang="zh-CN" dirty="0" err="1" smtClean="0"/>
+              <a:t>sql_mode</a:t>
+            </a:r>
+            <a:r>
+              <a:rPr lang="en-US" altLang="zh-CN" dirty="0" smtClean="0"/>
+              <a:t>=STRICT_TRANS_TABLES,NO_ZERO_IN_DATE,NO_ZERO_DATE,ERROR_FOR_DIVISION_BY_ZERO,NO_AUTO_CREATE_USER,NO_ENGINE_SUBSTITUTION</a:t>
+            </a:r>
+          </a:p>
+          <a:p>
+            <a:pPr marL="0" indent="0">
+              <a:buNone/>
+            </a:pPr>
+            <a:r>
+              <a:rPr lang="en-US" altLang="zh-CN" dirty="0" smtClean="0"/>
+              <a:t>symbolic-links=0</a:t>
+            </a:r>
+          </a:p>
+          <a:p>
+            <a:pPr marL="0" indent="0">
+              <a:buNone/>
+            </a:pPr>
+            <a:r>
+              <a:rPr lang="en-US" altLang="zh-CN" dirty="0"/>
               <a:t>[</a:t>
             </a:r>
             <a:r>
-              <a:rPr lang="en-US" altLang="zh-CN" dirty="0" err="1" smtClean="0"/>
-              <a:t>mysqld</a:t>
-            </a:r>
-            <a:r>
-              <a:rPr lang="en-US" altLang="zh-CN" dirty="0" smtClean="0"/>
+              <a:rPr lang="en-US" altLang="zh-CN" dirty="0" err="1"/>
+              <a:t>mysqld_safe</a:t>
+            </a:r>
+            <a:r>
+              <a:rPr lang="en-US" altLang="zh-CN" dirty="0"/>
               <a:t>]</a:t>
             </a:r>
           </a:p>
@@ -5847,71 +6037,128 @@
               <a:buNone/>
             </a:pPr>
             <a:r>
-              <a:rPr lang="en-US" altLang="zh-CN" dirty="0" err="1" smtClean="0"/>
-              <a:t>basedir</a:t>
-            </a:r>
-            <a:r>
-              <a:rPr lang="en-US" altLang="zh-CN" dirty="0" smtClean="0"/>
-              <a:t>=/</a:t>
-            </a:r>
-            <a:r>
-              <a:rPr lang="en-US" altLang="zh-CN" dirty="0" err="1" smtClean="0"/>
-              <a:t>usr</a:t>
-            </a:r>
-            <a:r>
-              <a:rPr lang="en-US" altLang="zh-CN" dirty="0" smtClean="0"/>
-              <a:t>/local/</a:t>
+              <a:rPr lang="en-US" altLang="zh-CN" dirty="0"/>
+              <a:t>log-error=/</a:t>
+            </a:r>
+            <a:r>
+              <a:rPr lang="en-US" altLang="zh-CN" dirty="0" err="1"/>
+              <a:t>var</a:t>
+            </a:r>
+            <a:r>
+              <a:rPr lang="en-US" altLang="zh-CN" dirty="0"/>
+              <a:t>/log/</a:t>
+            </a:r>
+            <a:r>
+              <a:rPr lang="en-US" altLang="zh-CN" dirty="0" err="1"/>
+              <a:t>mariadb</a:t>
+            </a:r>
+            <a:r>
+              <a:rPr lang="en-US" altLang="zh-CN" dirty="0"/>
+              <a:t>/mariadb.log</a:t>
+            </a:r>
+          </a:p>
+          <a:p>
+            <a:pPr marL="0" indent="0">
+              <a:buNone/>
+            </a:pPr>
+            <a:r>
+              <a:rPr lang="en-US" altLang="zh-CN" dirty="0" err="1"/>
+              <a:t>pid</a:t>
+            </a:r>
+            <a:r>
+              <a:rPr lang="en-US" altLang="zh-CN" dirty="0"/>
+              <a:t>-file=/</a:t>
+            </a:r>
+            <a:r>
+              <a:rPr lang="en-US" altLang="zh-CN" dirty="0" err="1"/>
+              <a:t>var</a:t>
+            </a:r>
+            <a:r>
+              <a:rPr lang="en-US" altLang="zh-CN" dirty="0"/>
+              <a:t>/run/</a:t>
+            </a:r>
+            <a:r>
+              <a:rPr lang="en-US" altLang="zh-CN" dirty="0" err="1"/>
+              <a:t>mariadb</a:t>
+            </a:r>
+            <a:r>
+              <a:rPr lang="en-US" altLang="zh-CN" dirty="0"/>
+              <a:t>/</a:t>
+            </a:r>
+            <a:r>
+              <a:rPr lang="en-US" altLang="zh-CN" dirty="0" err="1"/>
+              <a:t>mariadb.pid</a:t>
+            </a:r>
+            <a:endParaRPr lang="en-US" altLang="zh-CN" dirty="0"/>
+          </a:p>
+          <a:p>
+            <a:pPr marL="0" indent="0">
+              <a:buNone/>
+            </a:pPr>
+            <a:r>
+              <a:rPr lang="en-US" altLang="zh-CN" dirty="0"/>
+              <a:t>[client]</a:t>
+            </a:r>
+          </a:p>
+          <a:p>
+            <a:pPr marL="0" indent="0">
+              <a:buNone/>
+            </a:pPr>
+            <a:r>
+              <a:rPr lang="en-US" altLang="zh-CN" dirty="0"/>
+              <a:t>socket=/</a:t>
+            </a:r>
+            <a:r>
+              <a:rPr lang="en-US" altLang="zh-CN" dirty="0" err="1" smtClean="0"/>
+              <a:t>var</a:t>
+            </a:r>
+            <a:r>
+              <a:rPr lang="en-US" altLang="zh-CN" dirty="0" smtClean="0"/>
+              <a:t>/lib/</a:t>
             </a:r>
             <a:r>
               <a:rPr lang="en-US" altLang="zh-CN" dirty="0" err="1" smtClean="0"/>
               <a:t>mysql</a:t>
             </a:r>
+            <a:r>
+              <a:rPr lang="en-US" altLang="zh-CN" dirty="0" smtClean="0"/>
+              <a:t>/</a:t>
+            </a:r>
+            <a:r>
+              <a:rPr lang="en-US" altLang="zh-CN" dirty="0" err="1" smtClean="0"/>
+              <a:t>mysql.sock</a:t>
+            </a:r>
             <a:endParaRPr lang="en-US" altLang="zh-CN" dirty="0" smtClean="0"/>
           </a:p>
           <a:p>
             <a:pPr marL="0" indent="0">
               <a:buNone/>
             </a:pPr>
-            <a:endParaRPr lang="en-US" altLang="zh-CN" dirty="0"/>
-          </a:p>
-          <a:p>
-            <a:pPr marL="0" indent="0">
-              <a:buNone/>
-            </a:pPr>
-            <a:r>
-              <a:rPr lang="en-US" altLang="zh-CN" dirty="0" smtClean="0"/>
-              <a:t>[client]</a:t>
-            </a:r>
-          </a:p>
-          <a:p>
-            <a:pPr marL="0" indent="0">
-              <a:buNone/>
-            </a:pPr>
-            <a:r>
-              <a:rPr lang="en-US" altLang="zh-CN" dirty="0" smtClean="0"/>
-              <a:t>socket=/</a:t>
-            </a:r>
-            <a:r>
-              <a:rPr lang="en-US" altLang="zh-CN" dirty="0" err="1" smtClean="0"/>
-              <a:t>var</a:t>
-            </a:r>
-            <a:r>
-              <a:rPr lang="en-US" altLang="zh-CN" dirty="0" smtClean="0"/>
-              <a:t>/lib/</a:t>
-            </a:r>
-            <a:r>
-              <a:rPr lang="en-US" altLang="zh-CN" dirty="0" err="1" smtClean="0"/>
-              <a:t>mysql</a:t>
-            </a:r>
-            <a:r>
-              <a:rPr lang="en-US" altLang="zh-CN" dirty="0" smtClean="0"/>
+            <a:r>
+              <a:rPr lang="en-US" altLang="zh-CN" dirty="0"/>
+              <a:t>!</a:t>
+            </a:r>
+            <a:r>
+              <a:rPr lang="en-US" altLang="zh-CN" dirty="0" err="1"/>
+              <a:t>includedir</a:t>
+            </a:r>
+            <a:r>
+              <a:rPr lang="en-US" altLang="zh-CN" dirty="0"/>
+              <a:t> /</a:t>
+            </a:r>
+            <a:r>
+              <a:rPr lang="en-US" altLang="zh-CN" dirty="0" err="1"/>
+              <a:t>etc</a:t>
+            </a:r>
+            <a:r>
+              <a:rPr lang="en-US" altLang="zh-CN" dirty="0"/>
               <a:t>/</a:t>
             </a:r>
             <a:r>
-              <a:rPr lang="en-US" altLang="zh-CN" dirty="0" err="1" smtClean="0"/>
-              <a:t>mysql.sock</a:t>
-            </a:r>
-            <a:endParaRPr lang="zh-CN" altLang="en-US" dirty="0"/>
+              <a:rPr lang="en-US" altLang="zh-CN" dirty="0" err="1"/>
+              <a:t>my.cnf.d</a:t>
+            </a:r>
+            <a:endParaRPr lang="en-US" altLang="zh-CN" dirty="0" smtClean="0"/>
           </a:p>
         </p:txBody>
       </p:sp>
@@ -5992,7 +6239,7 @@
         <p:spPr/>
         <p:txBody>
           <a:bodyPr>
-            <a:normAutofit fontScale="85000" lnSpcReduction="20000"/>
+            <a:normAutofit fontScale="32500" lnSpcReduction="20000"/>
           </a:bodyPr>
           <a:lstStyle/>
           <a:p>
@@ -6106,8 +6353,161 @@
             </a:pPr>
             <a:r>
               <a:rPr lang="en-US" altLang="zh-CN" dirty="0" smtClean="0"/>
-              <a:t>flush privileges;</a:t>
-            </a:r>
+              <a:t>flush privileges</a:t>
+            </a:r>
+            <a:r>
+              <a:rPr lang="en-US" altLang="zh-CN" dirty="0" smtClean="0"/>
+              <a:t>;</a:t>
+            </a:r>
+          </a:p>
+          <a:p>
+            <a:pPr marL="0" indent="0">
+              <a:buNone/>
+            </a:pPr>
+            <a:endParaRPr lang="en-US" altLang="zh-CN" dirty="0" smtClean="0"/>
+          </a:p>
+          <a:p>
+            <a:pPr marL="0" indent="0">
+              <a:buNone/>
+            </a:pPr>
+            <a:endParaRPr lang="en-US" altLang="zh-CN" dirty="0"/>
+          </a:p>
+          <a:p>
+            <a:pPr marL="0" indent="0">
+              <a:buNone/>
+            </a:pPr>
+            <a:r>
+              <a:rPr lang="en-US" altLang="zh-CN" dirty="0" err="1" smtClean="0"/>
+              <a:t>cp</a:t>
+            </a:r>
+            <a:r>
+              <a:rPr lang="en-US" altLang="zh-CN" dirty="0" smtClean="0"/>
+              <a:t> -a support-files/</a:t>
+            </a:r>
+            <a:r>
+              <a:rPr lang="en-US" altLang="zh-CN" dirty="0" err="1" smtClean="0"/>
+              <a:t>mysql.server</a:t>
+            </a:r>
+            <a:r>
+              <a:rPr lang="en-US" altLang="zh-CN" dirty="0" smtClean="0"/>
+              <a:t>  /</a:t>
+            </a:r>
+            <a:r>
+              <a:rPr lang="en-US" altLang="zh-CN" dirty="0" err="1" smtClean="0"/>
+              <a:t>etc</a:t>
+            </a:r>
+            <a:r>
+              <a:rPr lang="en-US" altLang="zh-CN" dirty="0" smtClean="0"/>
+              <a:t>/</a:t>
+            </a:r>
+            <a:r>
+              <a:rPr lang="en-US" altLang="zh-CN" dirty="0" err="1" smtClean="0"/>
+              <a:t>init.d</a:t>
+            </a:r>
+            <a:r>
+              <a:rPr lang="en-US" altLang="zh-CN" dirty="0" smtClean="0"/>
+              <a:t>/</a:t>
+            </a:r>
+            <a:r>
+              <a:rPr lang="en-US" altLang="zh-CN" dirty="0" err="1" smtClean="0"/>
+              <a:t>mysqld</a:t>
+            </a:r>
+            <a:endParaRPr lang="en-US" altLang="zh-CN" dirty="0" smtClean="0"/>
+          </a:p>
+          <a:p>
+            <a:pPr marL="0" indent="0">
+              <a:buNone/>
+            </a:pPr>
+            <a:r>
+              <a:rPr lang="zh-CN" altLang="en-US" dirty="0" smtClean="0"/>
+              <a:t>启停命令：</a:t>
+            </a:r>
+            <a:endParaRPr lang="en-US" altLang="zh-CN" dirty="0" smtClean="0"/>
+          </a:p>
+          <a:p>
+            <a:pPr marL="0" indent="0">
+              <a:buNone/>
+            </a:pPr>
+            <a:r>
+              <a:rPr lang="en-US" altLang="zh-CN" dirty="0"/>
+              <a:t>/</a:t>
+            </a:r>
+            <a:r>
+              <a:rPr lang="en-US" altLang="zh-CN" dirty="0" err="1"/>
+              <a:t>etc</a:t>
+            </a:r>
+            <a:r>
+              <a:rPr lang="en-US" altLang="zh-CN" dirty="0"/>
+              <a:t>/</a:t>
+            </a:r>
+            <a:r>
+              <a:rPr lang="en-US" altLang="zh-CN" dirty="0" err="1"/>
+              <a:t>init.d</a:t>
+            </a:r>
+            <a:r>
+              <a:rPr lang="en-US" altLang="zh-CN" dirty="0"/>
+              <a:t>/</a:t>
+            </a:r>
+            <a:r>
+              <a:rPr lang="en-US" altLang="zh-CN" dirty="0" err="1"/>
+              <a:t>mysqld</a:t>
+            </a:r>
+            <a:r>
+              <a:rPr lang="en-US" altLang="zh-CN" dirty="0"/>
+              <a:t> </a:t>
+            </a:r>
+            <a:r>
+              <a:rPr lang="en-US" altLang="zh-CN" dirty="0" err="1" smtClean="0"/>
+              <a:t>start|stop</a:t>
+            </a:r>
+            <a:endParaRPr lang="en-US" altLang="zh-CN" dirty="0" smtClean="0"/>
+          </a:p>
+          <a:p>
+            <a:pPr marL="0" indent="0">
+              <a:buNone/>
+            </a:pPr>
+            <a:r>
+              <a:rPr lang="zh-CN" altLang="en-US" dirty="0" smtClean="0"/>
+              <a:t>或者 </a:t>
+            </a:r>
+            <a:r>
+              <a:rPr lang="en-US" altLang="zh-CN" dirty="0"/>
+              <a:t>service </a:t>
+            </a:r>
+            <a:r>
+              <a:rPr lang="en-US" altLang="zh-CN" dirty="0" err="1"/>
+              <a:t>mysqld</a:t>
+            </a:r>
+            <a:r>
+              <a:rPr lang="en-US" altLang="zh-CN" dirty="0"/>
+              <a:t> </a:t>
+            </a:r>
+            <a:r>
+              <a:rPr lang="en-US" altLang="zh-CN" dirty="0" err="1" smtClean="0"/>
+              <a:t>start|stop</a:t>
+            </a:r>
+            <a:endParaRPr lang="en-US" altLang="zh-CN" smtClean="0"/>
+          </a:p>
+          <a:p>
+            <a:pPr marL="0" indent="0">
+              <a:buNone/>
+            </a:pPr>
+            <a:endParaRPr lang="en-US" altLang="zh-CN" dirty="0" smtClean="0"/>
+          </a:p>
+          <a:p>
+            <a:pPr marL="0" indent="0">
+              <a:buNone/>
+            </a:pPr>
+            <a:r>
+              <a:rPr lang="zh-CN" altLang="en-US" dirty="0" smtClean="0"/>
+              <a:t>设置开机启动</a:t>
+            </a:r>
+            <a:endParaRPr lang="en-US" altLang="zh-CN" dirty="0" smtClean="0"/>
+          </a:p>
+          <a:p>
+            <a:pPr marL="0" indent="0">
+              <a:buNone/>
+            </a:pPr>
             <a:endParaRPr lang="en-US" altLang="zh-CN" dirty="0"/>
           </a:p>
           <a:p>
@@ -6360,7 +6760,7 @@
         <p:spPr/>
         <p:txBody>
           <a:bodyPr>
-            <a:normAutofit fontScale="47500" lnSpcReduction="20000"/>
+            <a:normAutofit fontScale="40000" lnSpcReduction="20000"/>
           </a:bodyPr>
           <a:lstStyle/>
           <a:p>
@@ -6378,11 +6778,7 @@
             </a:pPr>
             <a:r>
               <a:rPr lang="zh-CN" altLang="en-US" dirty="0" smtClean="0"/>
-              <a:t>以同样的方式在此服务器上</a:t>
-            </a:r>
-            <a:r>
-              <a:rPr lang="zh-CN" altLang="en-US" dirty="0" smtClean="0"/>
-              <a:t>安装</a:t>
+              <a:t>以同样的方式在此服务器上安装</a:t>
             </a:r>
             <a:endParaRPr lang="en-US" altLang="zh-CN" dirty="0"/>
           </a:p>
@@ -6425,17 +6821,62 @@
             <a:pPr marL="0" indent="0">
               <a:buNone/>
             </a:pPr>
-            <a:endParaRPr lang="en-US" altLang="zh-CN" sz="3100" dirty="0"/>
-          </a:p>
-          <a:p>
-            <a:pPr marL="0" indent="0">
-              <a:buNone/>
-            </a:pPr>
-            <a:r>
-              <a:rPr lang="zh-CN" altLang="en-US" sz="3100" dirty="0"/>
+            <a:r>
+              <a:rPr lang="zh-CN" altLang="en-US" sz="3100" dirty="0" smtClean="0"/>
+              <a:t>或者</a:t>
+            </a:r>
+            <a:endParaRPr lang="en-US" altLang="zh-CN" sz="3100" dirty="0" smtClean="0"/>
+          </a:p>
+          <a:p>
+            <a:pPr marL="0" indent="0">
+              <a:buNone/>
+            </a:pPr>
+            <a:r>
+              <a:rPr lang="en-US" altLang="zh-CN" sz="3100" dirty="0" smtClean="0"/>
+              <a:t>vi /</a:t>
+            </a:r>
+            <a:r>
+              <a:rPr lang="en-US" altLang="zh-CN" sz="3100" dirty="0" err="1" smtClean="0"/>
+              <a:t>etc</a:t>
+            </a:r>
+            <a:r>
+              <a:rPr lang="en-US" altLang="zh-CN" sz="3100" dirty="0" smtClean="0"/>
+              <a:t>/</a:t>
+            </a:r>
+            <a:r>
+              <a:rPr lang="en-US" altLang="zh-CN" sz="3100" dirty="0" err="1" smtClean="0"/>
+              <a:t>my.cnf</a:t>
+            </a:r>
+            <a:endParaRPr lang="en-US" altLang="zh-CN" sz="3100" dirty="0" smtClean="0"/>
+          </a:p>
+          <a:p>
+            <a:pPr marL="0" indent="0">
+              <a:buNone/>
+            </a:pPr>
+            <a:r>
+              <a:rPr lang="en-US" altLang="zh-CN" sz="3200" dirty="0" err="1" smtClean="0"/>
+              <a:t>read_only</a:t>
+            </a:r>
+            <a:r>
+              <a:rPr lang="en-US" altLang="zh-CN" sz="3200" dirty="0" smtClean="0"/>
+              <a:t>=ON  </a:t>
+            </a:r>
+          </a:p>
+          <a:p>
+            <a:pPr marL="0" indent="0">
+              <a:buNone/>
+            </a:pPr>
+            <a:endParaRPr lang="en-US" altLang="zh-CN" sz="3200" dirty="0" smtClean="0"/>
+          </a:p>
+          <a:p>
+            <a:pPr marL="0" indent="0">
+              <a:buNone/>
+            </a:pPr>
+            <a:r>
+              <a:rPr lang="zh-CN" altLang="en-US" sz="3100" dirty="0" smtClean="0"/>
               <a:t>根据需求是否设置，有以下需要注意的地方：</a:t>
             </a:r>
-            <a:endParaRPr lang="en-US" altLang="zh-CN" sz="3100" dirty="0"/>
+            <a:endParaRPr lang="en-US" altLang="zh-CN" sz="3100" dirty="0" smtClean="0"/>
           </a:p>
           <a:p>
             <a:pPr marL="0" indent="0">
@@ -6445,7 +6886,7 @@
               <a:buNone/>
             </a:pPr>
             <a:r>
-              <a:rPr lang="en-US" altLang="zh-CN" sz="4000" dirty="0"/>
+              <a:rPr lang="en-US" altLang="zh-CN" sz="4000" dirty="0" smtClean="0"/>
               <a:t>1.read_only=1</a:t>
             </a:r>
             <a:r>
